--- a/JER_Capstone.pptx
+++ b/JER_Capstone.pptx
@@ -15194,7 +15194,7 @@
         </p:nvSpPr>
         <p:spPr>
           <a:xfrm>
-            <a:off x="6567948" y="5377069"/>
+            <a:off x="6150209" y="5136438"/>
             <a:ext cx="1818099" cy="738664"/>
           </a:xfrm>
           <a:prstGeom prst="rect">
@@ -15340,6 +15340,93 @@
               </a:rPr>
               <a:t> en el sector educació superior</a:t>
             </a:r>
+          </a:p>
+        </p:txBody>
+      </p:sp>
+      <p:sp>
+        <p:nvSpPr>
+          <p:cNvPr id="3" name="Rectangle 2"/>
+          <p:cNvSpPr>
+            <a:spLocks noChangeArrowheads="1"/>
+          </p:cNvSpPr>
+          <p:nvPr/>
+        </p:nvSpPr>
+        <p:spPr bwMode="auto">
+          <a:xfrm>
+            <a:off x="6150209" y="5875102"/>
+            <a:ext cx="2837382" cy="230832"/>
+          </a:xfrm>
+          <a:prstGeom prst="rect">
+            <a:avLst/>
+          </a:prstGeom>
+          <a:noFill/>
+          <a:ln>
+            <a:noFill/>
+          </a:ln>
+          <a:effectLst/>
+        </p:spPr>
+        <p:txBody>
+          <a:bodyPr vert="horz" wrap="square" lIns="91440" tIns="45720" rIns="91440" bIns="45720" numCol="1" anchor="ctr" anchorCtr="0" compatLnSpc="1">
+            <a:prstTxWarp prst="textNoShape">
+              <a:avLst/>
+            </a:prstTxWarp>
+            <a:spAutoFit/>
+          </a:bodyPr>
+          <a:lstStyle/>
+          <a:p>
+            <a:pPr marL="0" marR="0" lvl="0" indent="0" algn="l" defTabSz="914400" rtl="0" eaLnBrk="0" fontAlgn="base" latinLnBrk="0" hangingPunct="0">
+              <a:lnSpc>
+                <a:spcPct val="100000"/>
+              </a:lnSpc>
+              <a:spcBef>
+                <a:spcPct val="0"/>
+              </a:spcBef>
+              <a:spcAft>
+                <a:spcPct val="0"/>
+              </a:spcAft>
+              <a:buClrTx/>
+              <a:buSzTx/>
+              <a:buFontTx/>
+              <a:buNone/>
+              <a:tabLst/>
+            </a:pPr>
+            <a:r>
+              <a:rPr kumimoji="0" lang="ca-ES" altLang="ca-ES" sz="900" b="0" i="0" u="none" strike="noStrike" cap="none" normalizeH="0" baseline="0" dirty="0">
+                <a:ln>
+                  <a:noFill/>
+                </a:ln>
+                <a:solidFill>
+                  <a:srgbClr val="1155CC"/>
+                </a:solidFill>
+                <a:effectLst/>
+                <a:latin typeface="Arial" panose="020B0604020202020204" pitchFamily="34" charset="0"/>
+                <a:cs typeface="Arial" panose="020B0604020202020204" pitchFamily="34" charset="0"/>
+                <a:hlinkClick r:id="rId3"/>
+              </a:rPr>
+              <a:t>https://jercapstone.github.io/UBCapstonePG/</a:t>
+            </a:r>
+            <a:r>
+              <a:rPr kumimoji="0" lang="ca-ES" altLang="ca-ES" sz="900" b="0" i="0" u="none" strike="noStrike" cap="none" normalizeH="0" baseline="0" dirty="0">
+                <a:ln>
+                  <a:noFill/>
+                </a:ln>
+                <a:solidFill>
+                  <a:schemeClr val="tx1"/>
+                </a:solidFill>
+                <a:effectLst/>
+              </a:rPr>
+              <a:t> </a:t>
+            </a:r>
+            <a:endParaRPr kumimoji="0" lang="ca-ES" altLang="ca-ES" sz="1800" b="0" i="0" u="none" strike="noStrike" cap="none" normalizeH="0" baseline="0" dirty="0">
+              <a:ln>
+                <a:noFill/>
+              </a:ln>
+              <a:solidFill>
+                <a:schemeClr val="tx1"/>
+              </a:solidFill>
+              <a:effectLst/>
+              <a:latin typeface="Arial" panose="020B0604020202020204" pitchFamily="34" charset="0"/>
+            </a:endParaRPr>
           </a:p>
         </p:txBody>
       </p:sp>

--- a/JER_Capstone.pptx
+++ b/JER_Capstone.pptx
@@ -228,6 +228,11 @@
       </a:defRPr>
     </a:lvl9pPr>
   </p:defaultTextStyle>
+  <p:extLst>
+    <p:ext uri="{EFAFB233-063F-42B5-8137-9DF3F51BA10A}">
+      <p15:sldGuideLst xmlns:p15="http://schemas.microsoft.com/office/powerpoint/2012/main"/>
+    </p:ext>
+  </p:extLst>
 </p:presentation>
 </file>
 
@@ -15685,7 +15690,7 @@
               <a:buNone/>
             </a:pPr>
             <a:r>
-              <a:rPr lang="ca-ES" b="1">
+              <a:rPr lang="ca-ES" b="1" dirty="0">
                 <a:solidFill>
                   <a:schemeClr val="dk1"/>
                 </a:solidFill>
@@ -15711,7 +15716,7 @@
               <a:buNone/>
             </a:pPr>
             <a:r>
-              <a:rPr lang="ca-ES">
+              <a:rPr lang="ca-ES" dirty="0">
                 <a:solidFill>
                   <a:schemeClr val="dk1"/>
                 </a:solidFill>
@@ -15737,7 +15742,7 @@
               <a:buNone/>
             </a:pPr>
             <a:r>
-              <a:rPr lang="ca-ES">
+              <a:rPr lang="ca-ES" dirty="0">
                 <a:solidFill>
                   <a:schemeClr val="dk1"/>
                 </a:solidFill>
@@ -15746,7 +15751,103 @@
                 <a:cs typeface="Calibri"/>
                 <a:sym typeface="Calibri"/>
               </a:rPr>
-              <a:t>Veiem que les variables que més determinen el model són la regió (la primera variable, Node 0), l’idioma del producte comprat (que penja del Node 0 i és el Node 1), el producte comprat en sí (Node 2 que penja del Node 1) i el canal (Node 3 que també penja del Node 1). Ens quedaríem amb aquestes variables com els principals factors identificats.</a:t>
+              <a:t>Veiem que les variables que més determinen el model són </a:t>
+            </a:r>
+            <a:r>
+              <a:rPr lang="ca-ES" b="1" dirty="0">
+                <a:solidFill>
+                  <a:schemeClr val="dk1"/>
+                </a:solidFill>
+                <a:latin typeface="Calibri"/>
+                <a:ea typeface="Calibri"/>
+                <a:cs typeface="Calibri"/>
+                <a:sym typeface="Calibri"/>
+              </a:rPr>
+              <a:t>la regió </a:t>
+            </a:r>
+            <a:r>
+              <a:rPr lang="ca-ES" dirty="0">
+                <a:solidFill>
+                  <a:schemeClr val="dk1"/>
+                </a:solidFill>
+                <a:latin typeface="Calibri"/>
+                <a:ea typeface="Calibri"/>
+                <a:cs typeface="Calibri"/>
+                <a:sym typeface="Calibri"/>
+              </a:rPr>
+              <a:t>(la primera variable, Node 0), </a:t>
+            </a:r>
+            <a:r>
+              <a:rPr lang="ca-ES" b="1" dirty="0">
+                <a:solidFill>
+                  <a:schemeClr val="dk1"/>
+                </a:solidFill>
+                <a:latin typeface="Calibri"/>
+                <a:ea typeface="Calibri"/>
+                <a:cs typeface="Calibri"/>
+                <a:sym typeface="Calibri"/>
+              </a:rPr>
+              <a:t>l’idioma del producte comprat </a:t>
+            </a:r>
+            <a:r>
+              <a:rPr lang="ca-ES" dirty="0">
+                <a:solidFill>
+                  <a:schemeClr val="dk1"/>
+                </a:solidFill>
+                <a:latin typeface="Calibri"/>
+                <a:ea typeface="Calibri"/>
+                <a:cs typeface="Calibri"/>
+                <a:sym typeface="Calibri"/>
+              </a:rPr>
+              <a:t>(que penja del Node 0 i és el Node 1), el </a:t>
+            </a:r>
+            <a:r>
+              <a:rPr lang="ca-ES" b="1" dirty="0">
+                <a:solidFill>
+                  <a:schemeClr val="dk1"/>
+                </a:solidFill>
+                <a:latin typeface="Calibri"/>
+                <a:ea typeface="Calibri"/>
+                <a:cs typeface="Calibri"/>
+                <a:sym typeface="Calibri"/>
+              </a:rPr>
+              <a:t>producte comprat </a:t>
+            </a:r>
+            <a:r>
+              <a:rPr lang="ca-ES" dirty="0">
+                <a:solidFill>
+                  <a:schemeClr val="dk1"/>
+                </a:solidFill>
+                <a:latin typeface="Calibri"/>
+                <a:ea typeface="Calibri"/>
+                <a:cs typeface="Calibri"/>
+                <a:sym typeface="Calibri"/>
+              </a:rPr>
+              <a:t>en sí (Node 2 que penja del Node 1) i el </a:t>
+            </a:r>
+            <a:r>
+              <a:rPr lang="ca-ES" b="1" dirty="0">
+                <a:solidFill>
+                  <a:schemeClr val="dk1"/>
+                </a:solidFill>
+                <a:latin typeface="Calibri"/>
+                <a:ea typeface="Calibri"/>
+                <a:cs typeface="Calibri"/>
+                <a:sym typeface="Calibri"/>
+              </a:rPr>
+              <a:t>canal</a:t>
+            </a:r>
+            <a:r>
+              <a:rPr lang="ca-ES" dirty="0">
+                <a:solidFill>
+                  <a:schemeClr val="dk1"/>
+                </a:solidFill>
+                <a:latin typeface="Calibri"/>
+                <a:ea typeface="Calibri"/>
+                <a:cs typeface="Calibri"/>
+                <a:sym typeface="Calibri"/>
+              </a:rPr>
+              <a:t> (Node 3 que també penja del Node 1). Ens quedaríem amb aquestes variables com els principals factors identificats.</a:t>
             </a:r>
           </a:p>
           <a:p>
@@ -15761,7 +15862,7 @@
               <a:buNone/>
             </a:pPr>
             <a:r>
-              <a:rPr lang="ca-ES">
+              <a:rPr lang="ca-ES" dirty="0">
                 <a:solidFill>
                   <a:schemeClr val="dk1"/>
                 </a:solidFill>
@@ -15770,7 +15871,31 @@
                 <a:cs typeface="Calibri"/>
                 <a:sym typeface="Calibri"/>
               </a:rPr>
-              <a:t>En una primera mirada de la Matriu de confusió, ens diu que la predicció del nostre model té una precisió d’un 67% i un recall del 71%, un model amb uns resultats millorables però acceptables</a:t>
+              <a:t>En una primera mirada de la Matriu de confusió, ens diu que la predicció del nostre model té una precisió d’un 67% i un </a:t>
+            </a:r>
+            <a:r>
+              <a:rPr lang="ca-ES" dirty="0" err="1">
+                <a:solidFill>
+                  <a:schemeClr val="dk1"/>
+                </a:solidFill>
+                <a:latin typeface="Calibri"/>
+                <a:ea typeface="Calibri"/>
+                <a:cs typeface="Calibri"/>
+                <a:sym typeface="Calibri"/>
+              </a:rPr>
+              <a:t>recall</a:t>
+            </a:r>
+            <a:r>
+              <a:rPr lang="ca-ES" dirty="0">
+                <a:solidFill>
+                  <a:schemeClr val="dk1"/>
+                </a:solidFill>
+                <a:latin typeface="Calibri"/>
+                <a:ea typeface="Calibri"/>
+                <a:cs typeface="Calibri"/>
+                <a:sym typeface="Calibri"/>
+              </a:rPr>
+              <a:t> del 71%, un model amb uns resultats millorables però acceptables</a:t>
             </a:r>
           </a:p>
           <a:p>
@@ -15786,7 +15911,7 @@
               </a:spcAft>
               <a:buNone/>
             </a:pPr>
-            <a:endParaRPr>
+            <a:endParaRPr dirty="0">
               <a:solidFill>
                 <a:schemeClr val="dk1"/>
               </a:solidFill>
@@ -15810,7 +15935,7 @@
               <a:buNone/>
             </a:pPr>
             <a:r>
-              <a:rPr lang="ca-ES" sz="1050">
+              <a:rPr lang="ca-ES" sz="1050" dirty="0">
                 <a:solidFill>
                   <a:srgbClr val="727272"/>
                 </a:solidFill>
@@ -15823,34 +15948,6 @@
           </a:p>
         </p:txBody>
       </p:sp>
-      <p:pic>
-        <p:nvPicPr>
-          <p:cNvPr id="198" name="Shape 198"/>
-          <p:cNvPicPr preferRelativeResize="0"/>
-          <p:nvPr/>
-        </p:nvPicPr>
-        <p:blipFill>
-          <a:blip r:embed="rId3">
-            <a:alphaModFix/>
-          </a:blip>
-          <a:stretch>
-            <a:fillRect/>
-          </a:stretch>
-        </p:blipFill>
-        <p:spPr>
-          <a:xfrm>
-            <a:off x="1803175" y="4284150"/>
-            <a:ext cx="5229225" cy="1666875"/>
-          </a:xfrm>
-          <a:prstGeom prst="rect">
-            <a:avLst/>
-          </a:prstGeom>
-          <a:noFill/>
-          <a:ln>
-            <a:noFill/>
-          </a:ln>
-        </p:spPr>
-      </p:pic>
       <p:sp>
         <p:nvSpPr>
           <p:cNvPr id="199" name="Shape 199"/>
@@ -15898,6 +15995,30 @@
           </a:p>
         </p:txBody>
       </p:sp>
+      <p:pic>
+        <p:nvPicPr>
+          <p:cNvPr id="3" name="Imagen 2"/>
+          <p:cNvPicPr>
+            <a:picLocks noChangeAspect="1"/>
+          </p:cNvPicPr>
+          <p:nvPr/>
+        </p:nvPicPr>
+        <p:blipFill>
+          <a:blip r:embed="rId3"/>
+          <a:stretch>
+            <a:fillRect/>
+          </a:stretch>
+        </p:blipFill>
+        <p:spPr>
+          <a:xfrm>
+            <a:off x="1822040" y="4191044"/>
+            <a:ext cx="5067300" cy="1524000"/>
+          </a:xfrm>
+          <a:prstGeom prst="rect">
+            <a:avLst/>
+          </a:prstGeom>
+        </p:spPr>
+      </p:pic>
     </p:spTree>
   </p:cSld>
   <p:clrMapOvr>
@@ -15931,7 +16052,7 @@
         </p:nvSpPr>
         <p:spPr>
           <a:xfrm>
-            <a:off x="585600" y="810777"/>
+            <a:off x="575767" y="712455"/>
             <a:ext cx="7972800" cy="4005900"/>
           </a:xfrm>
           <a:prstGeom prst="rect">
@@ -15961,7 +16082,7 @@
               <a:buNone/>
             </a:pPr>
             <a:r>
-              <a:rPr lang="ca-ES" b="1">
+              <a:rPr lang="ca-ES" b="1" dirty="0" err="1">
                 <a:solidFill>
                   <a:schemeClr val="dk1"/>
                 </a:solidFill>
@@ -15970,7 +16091,19 @@
                 <a:cs typeface="Calibri"/>
                 <a:sym typeface="Calibri"/>
               </a:rPr>
-              <a:t>Random Forest</a:t>
+              <a:t>Random</a:t>
+            </a:r>
+            <a:r>
+              <a:rPr lang="ca-ES" b="1" dirty="0">
+                <a:solidFill>
+                  <a:schemeClr val="dk1"/>
+                </a:solidFill>
+                <a:latin typeface="Calibri"/>
+                <a:ea typeface="Calibri"/>
+                <a:cs typeface="Calibri"/>
+                <a:sym typeface="Calibri"/>
+              </a:rPr>
+              <a:t> Forest</a:t>
             </a:r>
           </a:p>
           <a:p>
@@ -15981,7 +16114,7 @@
               <a:buNone/>
             </a:pPr>
             <a:r>
-              <a:rPr lang="ca-ES">
+              <a:rPr lang="ca-ES" dirty="0">
                 <a:solidFill>
                   <a:schemeClr val="dk1"/>
                 </a:solidFill>
@@ -15990,10 +16123,58 @@
                 <a:cs typeface="Calibri"/>
                 <a:sym typeface="Calibri"/>
               </a:rPr>
-              <a:t>Intentarem millorar el classificador que hem obtingut amb el K Nearest Neighbours i l’Arbre de Decisió aplicant un altre classificador una mica més complexe. És un classificador molt fàcil d’aplicar però amb una dificultat afegida a l’hora d’interpretar els resultats.</a:t>
+              <a:t>Intentarem millorar el classificador que hem obtingut amb el K </a:t>
             </a:r>
             <a:r>
-              <a:rPr lang="ca-ES" sz="1600">
+              <a:rPr lang="ca-ES" dirty="0" err="1">
+                <a:solidFill>
+                  <a:schemeClr val="dk1"/>
+                </a:solidFill>
+                <a:latin typeface="Calibri"/>
+                <a:ea typeface="Calibri"/>
+                <a:cs typeface="Calibri"/>
+                <a:sym typeface="Calibri"/>
+              </a:rPr>
+              <a:t>Nearest</a:t>
+            </a:r>
+            <a:r>
+              <a:rPr lang="ca-ES" dirty="0">
+                <a:solidFill>
+                  <a:schemeClr val="dk1"/>
+                </a:solidFill>
+                <a:latin typeface="Calibri"/>
+                <a:ea typeface="Calibri"/>
+                <a:cs typeface="Calibri"/>
+                <a:sym typeface="Calibri"/>
+              </a:rPr>
+              <a:t> </a:t>
+            </a:r>
+            <a:r>
+              <a:rPr lang="ca-ES" dirty="0" err="1">
+                <a:solidFill>
+                  <a:schemeClr val="dk1"/>
+                </a:solidFill>
+                <a:latin typeface="Calibri"/>
+                <a:ea typeface="Calibri"/>
+                <a:cs typeface="Calibri"/>
+                <a:sym typeface="Calibri"/>
+              </a:rPr>
+              <a:t>Neighbours</a:t>
+            </a:r>
+            <a:r>
+              <a:rPr lang="ca-ES" dirty="0">
+                <a:solidFill>
+                  <a:schemeClr val="dk1"/>
+                </a:solidFill>
+                <a:latin typeface="Calibri"/>
+                <a:ea typeface="Calibri"/>
+                <a:cs typeface="Calibri"/>
+                <a:sym typeface="Calibri"/>
+              </a:rPr>
+              <a:t> i l’Arbre de Decisió aplicant un altre classificador una mica més complex. És un classificador molt fàcil d’aplicar però amb una dificultat afegida a l’hora d’interpretar els resultats.</a:t>
+            </a:r>
+            <a:r>
+              <a:rPr lang="ca-ES" sz="1600" dirty="0">
                 <a:solidFill>
                   <a:schemeClr val="dk1"/>
                 </a:solidFill>
@@ -16005,7 +16186,7 @@
               <a:t>  </a:t>
             </a:r>
             <a:r>
-              <a:rPr lang="ca-ES">
+              <a:rPr lang="ca-ES" dirty="0">
                 <a:solidFill>
                   <a:schemeClr val="dk1"/>
                 </a:solidFill>
@@ -16014,8 +16195,80 @@
                 <a:cs typeface="Calibri"/>
                 <a:sym typeface="Calibri"/>
               </a:rPr>
-              <a:t>Primer de tot el que fem és carregar les nostres dades aplicant un crossvalidation on hem aplicat un folds=10 indicant així que dividirem el nostre dataset en 10 parts aleatòries per tal de realitzar l’entrenament del nostre model.</a:t>
+              <a:t>Primer de tot el que fem és carregar les nostres dades aplicant un </a:t>
             </a:r>
+            <a:r>
+              <a:rPr lang="ca-ES" dirty="0" err="1">
+                <a:solidFill>
+                  <a:schemeClr val="dk1"/>
+                </a:solidFill>
+                <a:latin typeface="Calibri"/>
+                <a:ea typeface="Calibri"/>
+                <a:cs typeface="Calibri"/>
+                <a:sym typeface="Calibri"/>
+              </a:rPr>
+              <a:t>crossvalidation</a:t>
+            </a:r>
+            <a:r>
+              <a:rPr lang="ca-ES" dirty="0">
+                <a:solidFill>
+                  <a:schemeClr val="dk1"/>
+                </a:solidFill>
+                <a:latin typeface="Calibri"/>
+                <a:ea typeface="Calibri"/>
+                <a:cs typeface="Calibri"/>
+                <a:sym typeface="Calibri"/>
+              </a:rPr>
+              <a:t> on hem aplicat un </a:t>
+            </a:r>
+            <a:r>
+              <a:rPr lang="ca-ES" dirty="0" err="1">
+                <a:solidFill>
+                  <a:schemeClr val="dk1"/>
+                </a:solidFill>
+                <a:latin typeface="Calibri"/>
+                <a:ea typeface="Calibri"/>
+                <a:cs typeface="Calibri"/>
+                <a:sym typeface="Calibri"/>
+              </a:rPr>
+              <a:t>folds</a:t>
+            </a:r>
+            <a:r>
+              <a:rPr lang="ca-ES" dirty="0">
+                <a:solidFill>
+                  <a:schemeClr val="dk1"/>
+                </a:solidFill>
+                <a:latin typeface="Calibri"/>
+                <a:ea typeface="Calibri"/>
+                <a:cs typeface="Calibri"/>
+                <a:sym typeface="Calibri"/>
+              </a:rPr>
+              <a:t>=10 indicant així que dividirem el nostre </a:t>
+            </a:r>
+            <a:r>
+              <a:rPr lang="ca-ES" dirty="0" err="1">
+                <a:solidFill>
+                  <a:schemeClr val="dk1"/>
+                </a:solidFill>
+                <a:latin typeface="Calibri"/>
+                <a:ea typeface="Calibri"/>
+                <a:cs typeface="Calibri"/>
+                <a:sym typeface="Calibri"/>
+              </a:rPr>
+              <a:t>dataset</a:t>
+            </a:r>
+            <a:r>
+              <a:rPr lang="ca-ES" dirty="0">
+                <a:solidFill>
+                  <a:schemeClr val="dk1"/>
+                </a:solidFill>
+                <a:latin typeface="Calibri"/>
+                <a:ea typeface="Calibri"/>
+                <a:cs typeface="Calibri"/>
+                <a:sym typeface="Calibri"/>
+              </a:rPr>
+              <a:t> en 10 parts aleatòries per tal de realitzar l’entrenament del nostre model.</a:t>
+            </a:r>
           </a:p>
           <a:p>
             <a:pPr marL="0" marR="0" lvl="0" indent="0" rtl="0">
@@ -16024,7 +16277,7 @@
               </a:spcBef>
               <a:buNone/>
             </a:pPr>
-            <a:endParaRPr>
+            <a:endParaRPr dirty="0">
               <a:solidFill>
                 <a:schemeClr val="dk1"/>
               </a:solidFill>
@@ -16042,7 +16295,7 @@
               <a:buNone/>
             </a:pPr>
             <a:r>
-              <a:rPr lang="ca-ES">
+              <a:rPr lang="ca-ES" dirty="0">
                 <a:solidFill>
                   <a:schemeClr val="dk1"/>
                 </a:solidFill>
@@ -16051,8 +16304,128 @@
                 <a:cs typeface="Calibri"/>
                 <a:sym typeface="Calibri"/>
               </a:rPr>
-              <a:t>El que ens ha sorprés és trobar-nos amb unes diferències tant elevades entre els accuracys dels diferents entrenaments que hem realitzat. Ens trobem accuracys que van entre el 0.53 o 0.54 que ens trobem a les proves realitzades en 3a, 2a i 5a posició i accuracys que volten 0.97 o 0.98 que són els que s’assignen a les proves 7a, 8a i 9a. És a dir, les proves realitzades al final tenen una accuracy molt superior a les realitzades al principi.</a:t>
+              <a:t>El que ens ha </a:t>
             </a:r>
+            <a:r>
+              <a:rPr lang="ca-ES" dirty="0" err="1">
+                <a:solidFill>
+                  <a:schemeClr val="dk1"/>
+                </a:solidFill>
+                <a:latin typeface="Calibri"/>
+                <a:ea typeface="Calibri"/>
+                <a:cs typeface="Calibri"/>
+                <a:sym typeface="Calibri"/>
+              </a:rPr>
+              <a:t>sorprés</a:t>
+            </a:r>
+            <a:r>
+              <a:rPr lang="ca-ES" dirty="0">
+                <a:solidFill>
+                  <a:schemeClr val="dk1"/>
+                </a:solidFill>
+                <a:latin typeface="Calibri"/>
+                <a:ea typeface="Calibri"/>
+                <a:cs typeface="Calibri"/>
+                <a:sym typeface="Calibri"/>
+              </a:rPr>
+              <a:t> és trobar-nos amb unes diferències tant elevades entre els </a:t>
+            </a:r>
+            <a:r>
+              <a:rPr lang="ca-ES" b="1" dirty="0" err="1">
+                <a:solidFill>
+                  <a:schemeClr val="dk1"/>
+                </a:solidFill>
+                <a:latin typeface="Calibri"/>
+                <a:ea typeface="Calibri"/>
+                <a:cs typeface="Calibri"/>
+                <a:sym typeface="Calibri"/>
+              </a:rPr>
+              <a:t>accuracies</a:t>
+            </a:r>
+            <a:r>
+              <a:rPr lang="ca-ES" dirty="0">
+                <a:solidFill>
+                  <a:schemeClr val="dk1"/>
+                </a:solidFill>
+                <a:latin typeface="Calibri"/>
+                <a:ea typeface="Calibri"/>
+                <a:cs typeface="Calibri"/>
+                <a:sym typeface="Calibri"/>
+              </a:rPr>
+              <a:t> dels diferents entrenaments que hem realitzat. Ens trobem </a:t>
+            </a:r>
+            <a:r>
+              <a:rPr lang="ca-ES" dirty="0" err="1">
+                <a:solidFill>
+                  <a:schemeClr val="dk1"/>
+                </a:solidFill>
+                <a:latin typeface="Calibri"/>
+                <a:ea typeface="Calibri"/>
+                <a:cs typeface="Calibri"/>
+                <a:sym typeface="Calibri"/>
+              </a:rPr>
+              <a:t>accuracies</a:t>
+            </a:r>
+            <a:r>
+              <a:rPr lang="ca-ES" dirty="0">
+                <a:solidFill>
+                  <a:schemeClr val="dk1"/>
+                </a:solidFill>
+                <a:latin typeface="Calibri"/>
+                <a:ea typeface="Calibri"/>
+                <a:cs typeface="Calibri"/>
+                <a:sym typeface="Calibri"/>
+              </a:rPr>
+              <a:t> que van entre el 0.53 o 0.54 que ens trobem a les proves realitzades en 3a, 2a i 5a posició i </a:t>
+            </a:r>
+            <a:r>
+              <a:rPr lang="ca-ES" dirty="0" err="1">
+                <a:solidFill>
+                  <a:schemeClr val="dk1"/>
+                </a:solidFill>
+                <a:latin typeface="Calibri"/>
+                <a:ea typeface="Calibri"/>
+                <a:cs typeface="Calibri"/>
+                <a:sym typeface="Calibri"/>
+              </a:rPr>
+              <a:t>accuracies</a:t>
+            </a:r>
+            <a:r>
+              <a:rPr lang="ca-ES" dirty="0">
+                <a:solidFill>
+                  <a:schemeClr val="dk1"/>
+                </a:solidFill>
+                <a:latin typeface="Calibri"/>
+                <a:ea typeface="Calibri"/>
+                <a:cs typeface="Calibri"/>
+                <a:sym typeface="Calibri"/>
+              </a:rPr>
+              <a:t> que volten 0.97 o 0.98 que són els que s’assignen a les proves 7a, 8a i 9a. És a dir, les proves realitzades al final tenen una </a:t>
+            </a:r>
+            <a:r>
+              <a:rPr lang="ca-ES" dirty="0" err="1">
+                <a:solidFill>
+                  <a:schemeClr val="dk1"/>
+                </a:solidFill>
+                <a:latin typeface="Calibri"/>
+                <a:ea typeface="Calibri"/>
+                <a:cs typeface="Calibri"/>
+                <a:sym typeface="Calibri"/>
+              </a:rPr>
+              <a:t>accuracy</a:t>
+            </a:r>
+            <a:r>
+              <a:rPr lang="ca-ES" dirty="0">
+                <a:solidFill>
+                  <a:schemeClr val="dk1"/>
+                </a:solidFill>
+                <a:latin typeface="Calibri"/>
+                <a:ea typeface="Calibri"/>
+                <a:cs typeface="Calibri"/>
+                <a:sym typeface="Calibri"/>
+              </a:rPr>
+              <a:t> molt superior a les realitzades al principi.</a:t>
+            </a:r>
           </a:p>
           <a:p>
             <a:pPr marL="0" marR="0" lvl="0" indent="0" rtl="0">
@@ -16061,7 +16434,7 @@
               </a:spcBef>
               <a:buNone/>
             </a:pPr>
-            <a:endParaRPr>
+            <a:endParaRPr dirty="0">
               <a:solidFill>
                 <a:schemeClr val="dk1"/>
               </a:solidFill>
@@ -16079,7 +16452,7 @@
               <a:buNone/>
             </a:pPr>
             <a:r>
-              <a:rPr lang="ca-ES">
+              <a:rPr lang="ca-ES" dirty="0">
                 <a:solidFill>
                   <a:schemeClr val="dk1"/>
                 </a:solidFill>
@@ -16088,8 +16461,80 @@
                 <a:cs typeface="Calibri"/>
                 <a:sym typeface="Calibri"/>
               </a:rPr>
-              <a:t>En una primera mirada de la Matriu de confusió, ens diu que la predicció del nostre model té una precisió d’un 68% i un recall del 65%, un model amb uns resultats millorables però acceptables. No obstant, igual que ens havíem trobat en els arbres de decisió, si baixem una mica aquesta informació i aprofondim en els paràmetres precisió i recall, ens trobem amb el següent:</a:t>
+              <a:t>En una primera mirada de la Matriu de confusió, ens diu que la predicció del nostre model té una precisió d’un 68% i un </a:t>
             </a:r>
+            <a:r>
+              <a:rPr lang="ca-ES" dirty="0" err="1">
+                <a:solidFill>
+                  <a:schemeClr val="dk1"/>
+                </a:solidFill>
+                <a:latin typeface="Calibri"/>
+                <a:ea typeface="Calibri"/>
+                <a:cs typeface="Calibri"/>
+                <a:sym typeface="Calibri"/>
+              </a:rPr>
+              <a:t>recall</a:t>
+            </a:r>
+            <a:r>
+              <a:rPr lang="ca-ES" dirty="0">
+                <a:solidFill>
+                  <a:schemeClr val="dk1"/>
+                </a:solidFill>
+                <a:latin typeface="Calibri"/>
+                <a:ea typeface="Calibri"/>
+                <a:cs typeface="Calibri"/>
+                <a:sym typeface="Calibri"/>
+              </a:rPr>
+              <a:t> del 65%, un model amb uns resultats millorables però acceptables. No obstant, igual que ens havíem trobat en els arbres de decisió, si baixem una mica aquesta informació i </a:t>
+            </a:r>
+            <a:r>
+              <a:rPr lang="ca-ES" dirty="0" err="1">
+                <a:solidFill>
+                  <a:schemeClr val="dk1"/>
+                </a:solidFill>
+                <a:latin typeface="Calibri"/>
+                <a:ea typeface="Calibri"/>
+                <a:cs typeface="Calibri"/>
+                <a:sym typeface="Calibri"/>
+              </a:rPr>
+              <a:t>aprofondim</a:t>
+            </a:r>
+            <a:r>
+              <a:rPr lang="ca-ES" dirty="0">
+                <a:solidFill>
+                  <a:schemeClr val="dk1"/>
+                </a:solidFill>
+                <a:latin typeface="Calibri"/>
+                <a:ea typeface="Calibri"/>
+                <a:cs typeface="Calibri"/>
+                <a:sym typeface="Calibri"/>
+              </a:rPr>
+              <a:t> en els paràmetres precisió i </a:t>
+            </a:r>
+            <a:r>
+              <a:rPr lang="ca-ES" dirty="0" err="1">
+                <a:solidFill>
+                  <a:schemeClr val="dk1"/>
+                </a:solidFill>
+                <a:latin typeface="Calibri"/>
+                <a:ea typeface="Calibri"/>
+                <a:cs typeface="Calibri"/>
+                <a:sym typeface="Calibri"/>
+              </a:rPr>
+              <a:t>recall</a:t>
+            </a:r>
+            <a:r>
+              <a:rPr lang="ca-ES" dirty="0">
+                <a:solidFill>
+                  <a:schemeClr val="dk1"/>
+                </a:solidFill>
+                <a:latin typeface="Calibri"/>
+                <a:ea typeface="Calibri"/>
+                <a:cs typeface="Calibri"/>
+                <a:sym typeface="Calibri"/>
+              </a:rPr>
+              <a:t>, ens trobem amb el següent:</a:t>
+            </a:r>
           </a:p>
           <a:p>
             <a:pPr marL="0" marR="0" lvl="0" indent="0" rtl="0">
@@ -16098,7 +16543,7 @@
               </a:spcBef>
               <a:buNone/>
             </a:pPr>
-            <a:endParaRPr>
+            <a:endParaRPr dirty="0">
               <a:solidFill>
                 <a:schemeClr val="dk1"/>
               </a:solidFill>
@@ -16115,7 +16560,7 @@
               </a:spcBef>
               <a:buNone/>
             </a:pPr>
-            <a:endParaRPr sz="1600">
+            <a:endParaRPr sz="1600" dirty="0">
               <a:solidFill>
                 <a:schemeClr val="dk1"/>
               </a:solidFill>
@@ -16132,7 +16577,7 @@
               </a:spcBef>
               <a:buNone/>
             </a:pPr>
-            <a:endParaRPr sz="1600">
+            <a:endParaRPr sz="1600" dirty="0">
               <a:solidFill>
                 <a:schemeClr val="dk1"/>
               </a:solidFill>
@@ -16149,7 +16594,7 @@
               </a:spcBef>
               <a:buNone/>
             </a:pPr>
-            <a:endParaRPr sz="1600">
+            <a:endParaRPr sz="1600" dirty="0">
               <a:solidFill>
                 <a:schemeClr val="dk1"/>
               </a:solidFill>
@@ -16166,7 +16611,7 @@
               </a:spcBef>
               <a:buNone/>
             </a:pPr>
-            <a:endParaRPr sz="1600">
+            <a:endParaRPr sz="1600" dirty="0">
               <a:solidFill>
                 <a:schemeClr val="dk1"/>
               </a:solidFill>
@@ -16183,7 +16628,7 @@
               </a:spcBef>
               <a:buNone/>
             </a:pPr>
-            <a:endParaRPr sz="1600">
+            <a:endParaRPr sz="1600" dirty="0">
               <a:solidFill>
                 <a:schemeClr val="dk1"/>
               </a:solidFill>
@@ -16244,30 +16689,26 @@
       </p:sp>
       <p:pic>
         <p:nvPicPr>
-          <p:cNvPr id="206" name="Shape 206"/>
-          <p:cNvPicPr preferRelativeResize="0"/>
+          <p:cNvPr id="2" name="Imagen 1"/>
+          <p:cNvPicPr>
+            <a:picLocks noChangeAspect="1"/>
+          </p:cNvPicPr>
           <p:nvPr/>
         </p:nvPicPr>
         <p:blipFill>
-          <a:blip r:embed="rId3">
-            <a:alphaModFix/>
-          </a:blip>
+          <a:blip r:embed="rId3"/>
           <a:stretch>
             <a:fillRect/>
           </a:stretch>
         </p:blipFill>
         <p:spPr>
           <a:xfrm>
-            <a:off x="1986625" y="4981273"/>
-            <a:ext cx="4991100" cy="1504950"/>
+            <a:off x="2099954" y="4808822"/>
+            <a:ext cx="4924425" cy="1495425"/>
           </a:xfrm>
           <a:prstGeom prst="rect">
             <a:avLst/>
           </a:prstGeom>
-          <a:noFill/>
-          <a:ln>
-            <a:noFill/>
-          </a:ln>
         </p:spPr>
       </p:pic>
     </p:spTree>
@@ -17011,7 +17452,19 @@
                 <a:cs typeface="Calibri"/>
                 <a:sym typeface="Calibri"/>
               </a:rPr>
-              <a:t> Forest les variables que més influeixen en el model són la regió, el producte comprat i l’idioma del producte comprat.</a:t>
+              <a:t> Forest les variables que més influeixen en el model </a:t>
+            </a:r>
+            <a:r>
+              <a:rPr lang="ca-ES" b="1" dirty="0">
+                <a:solidFill>
+                  <a:schemeClr val="dk1"/>
+                </a:solidFill>
+                <a:latin typeface="Calibri"/>
+                <a:ea typeface="Calibri"/>
+                <a:cs typeface="Calibri"/>
+                <a:sym typeface="Calibri"/>
+              </a:rPr>
+              <a:t>són la regió, el producte comprat i l’idioma del producte comprat.</a:t>
             </a:r>
           </a:p>
           <a:p>
@@ -17065,7 +17518,31 @@
                 <a:cs typeface="Calibri"/>
                 <a:sym typeface="Calibri"/>
               </a:rPr>
-              <a:t> Forest prediu millor els estudiants que no es matricularan que els que es matricularan.</a:t>
+              <a:t> Forest </a:t>
+            </a:r>
+            <a:r>
+              <a:rPr lang="ca-ES" b="1" dirty="0">
+                <a:solidFill>
+                  <a:schemeClr val="dk1"/>
+                </a:solidFill>
+                <a:latin typeface="Calibri"/>
+                <a:ea typeface="Calibri"/>
+                <a:cs typeface="Calibri"/>
+                <a:sym typeface="Calibri"/>
+              </a:rPr>
+              <a:t>prediu millor els estudiants que no es matricularan que els que es matricularan</a:t>
+            </a:r>
+            <a:r>
+              <a:rPr lang="ca-ES" dirty="0">
+                <a:solidFill>
+                  <a:schemeClr val="dk1"/>
+                </a:solidFill>
+                <a:latin typeface="Calibri"/>
+                <a:ea typeface="Calibri"/>
+                <a:cs typeface="Calibri"/>
+                <a:sym typeface="Calibri"/>
+              </a:rPr>
+              <a:t>.</a:t>
             </a:r>
           </a:p>
           <a:p>
@@ -17095,10 +17572,22 @@
                 <a:cs typeface="Calibri"/>
                 <a:sym typeface="Calibri"/>
               </a:rPr>
-              <a:t>A nivell general, podem dir que existeix relació entre el perfil </a:t>
+              <a:t>A nivell general, podem dir que existeix relació entre el </a:t>
             </a:r>
             <a:r>
-              <a:rPr lang="ca-ES" dirty="0" err="1">
+              <a:rPr lang="ca-ES" b="1" dirty="0">
+                <a:solidFill>
+                  <a:schemeClr val="dk1"/>
+                </a:solidFill>
+                <a:latin typeface="Calibri"/>
+                <a:ea typeface="Calibri"/>
+                <a:cs typeface="Calibri"/>
+                <a:sym typeface="Calibri"/>
+              </a:rPr>
+              <a:t>perfil </a:t>
+            </a:r>
+            <a:r>
+              <a:rPr lang="ca-ES" b="1" dirty="0" err="1">
                 <a:solidFill>
                   <a:schemeClr val="dk1"/>
                 </a:solidFill>
@@ -17110,6 +17599,18 @@
               <a:t>socio</a:t>
             </a:r>
             <a:r>
+              <a:rPr lang="ca-ES" b="1" dirty="0">
+                <a:solidFill>
+                  <a:schemeClr val="dk1"/>
+                </a:solidFill>
+                <a:latin typeface="Calibri"/>
+                <a:ea typeface="Calibri"/>
+                <a:cs typeface="Calibri"/>
+                <a:sym typeface="Calibri"/>
+              </a:rPr>
+              <a:t>-demogràfic i la intenció de matrícula</a:t>
+            </a:r>
+            <a:r>
               <a:rPr lang="ca-ES" dirty="0">
                 <a:solidFill>
                   <a:schemeClr val="dk1"/>
@@ -17119,7 +17620,7 @@
                 <a:cs typeface="Calibri"/>
                 <a:sym typeface="Calibri"/>
               </a:rPr>
-              <a:t>-demogràfic i la intenció de matrícula.</a:t>
+              <a:t>.</a:t>
             </a:r>
           </a:p>
           <a:p>
@@ -17149,10 +17650,22 @@
                 <a:cs typeface="Calibri"/>
                 <a:sym typeface="Calibri"/>
               </a:rPr>
-              <a:t>També existeix relació entre l’ activitat generada </a:t>
+              <a:t>També existeix relació entre l’ </a:t>
             </a:r>
             <a:r>
-              <a:rPr lang="ca-ES" dirty="0" err="1">
+              <a:rPr lang="ca-ES" b="1" dirty="0">
+                <a:solidFill>
+                  <a:schemeClr val="dk1"/>
+                </a:solidFill>
+                <a:latin typeface="Calibri"/>
+                <a:ea typeface="Calibri"/>
+                <a:cs typeface="Calibri"/>
+                <a:sym typeface="Calibri"/>
+              </a:rPr>
+              <a:t>activitat generada </a:t>
+            </a:r>
+            <a:r>
+              <a:rPr lang="ca-ES" b="1" dirty="0" err="1">
                 <a:solidFill>
                   <a:schemeClr val="dk1"/>
                 </a:solidFill>
@@ -17164,7 +17677,7 @@
               <a:t>durante</a:t>
             </a:r>
             <a:r>
-              <a:rPr lang="ca-ES" dirty="0">
+              <a:rPr lang="ca-ES" b="1" dirty="0">
                 <a:solidFill>
                   <a:schemeClr val="dk1"/>
                 </a:solidFill>
@@ -17346,6 +17859,18 @@
               <a:buChar char="•"/>
             </a:pPr>
             <a:r>
+              <a:rPr lang="ca-ES" b="1" dirty="0">
+                <a:solidFill>
+                  <a:schemeClr val="dk1"/>
+                </a:solidFill>
+                <a:latin typeface="Calibri"/>
+                <a:ea typeface="Calibri"/>
+                <a:cs typeface="Calibri"/>
+                <a:sym typeface="Calibri"/>
+              </a:rPr>
+              <a:t>Analitzar la consistència </a:t>
+            </a:r>
+            <a:r>
               <a:rPr lang="ca-ES" dirty="0">
                 <a:solidFill>
                   <a:schemeClr val="dk1"/>
@@ -17355,7 +17880,7 @@
                 <a:cs typeface="Calibri"/>
                 <a:sym typeface="Calibri"/>
               </a:rPr>
-              <a:t>Analitzar la consistència de les dades per millorar la qualitat de la informació tractada.</a:t>
+              <a:t>de les dades per millorar la qualitat de la informació tractada.</a:t>
             </a:r>
           </a:p>
           <a:p>
@@ -17376,6 +17901,18 @@
               <a:buChar char="•"/>
             </a:pPr>
             <a:r>
+              <a:rPr lang="ca-ES" b="1" dirty="0">
+                <a:solidFill>
+                  <a:schemeClr val="dk1"/>
+                </a:solidFill>
+                <a:latin typeface="Calibri"/>
+                <a:ea typeface="Calibri"/>
+                <a:cs typeface="Calibri"/>
+                <a:sym typeface="Calibri"/>
+              </a:rPr>
+              <a:t>Generar noves variables</a:t>
+            </a:r>
+            <a:r>
               <a:rPr lang="ca-ES" dirty="0">
                 <a:solidFill>
                   <a:schemeClr val="dk1"/>
@@ -17385,7 +17922,7 @@
                 <a:cs typeface="Calibri"/>
                 <a:sym typeface="Calibri"/>
               </a:rPr>
-              <a:t>Generar noves variables derivades de les que disposem actualment.</a:t>
+              <a:t> derivades de les que disposem actualment.</a:t>
             </a:r>
           </a:p>
           <a:p>
